--- a/Lec16/Lec16.pptx
+++ b/Lec16/Lec16.pptx
@@ -5,29 +5,31 @@
     <p:sldMasterId id="2147483648" r:id="rId1"/>
   </p:sldMasterIdLst>
   <p:notesMasterIdLst>
-    <p:notesMasterId r:id="rId19"/>
+    <p:notesMasterId r:id="rId21"/>
   </p:notesMasterIdLst>
   <p:handoutMasterIdLst>
-    <p:handoutMasterId r:id="rId20"/>
+    <p:handoutMasterId r:id="rId22"/>
   </p:handoutMasterIdLst>
   <p:sldIdLst>
     <p:sldId id="414" r:id="rId2"/>
-    <p:sldId id="982" r:id="rId3"/>
-    <p:sldId id="1036" r:id="rId4"/>
-    <p:sldId id="1240" r:id="rId5"/>
-    <p:sldId id="1242" r:id="rId6"/>
-    <p:sldId id="1243" r:id="rId7"/>
-    <p:sldId id="1244" r:id="rId8"/>
-    <p:sldId id="1257" r:id="rId9"/>
-    <p:sldId id="1258" r:id="rId10"/>
-    <p:sldId id="1259" r:id="rId11"/>
-    <p:sldId id="1260" r:id="rId12"/>
-    <p:sldId id="1261" r:id="rId13"/>
-    <p:sldId id="1262" r:id="rId14"/>
-    <p:sldId id="1263" r:id="rId15"/>
-    <p:sldId id="1266" r:id="rId16"/>
-    <p:sldId id="1245" r:id="rId17"/>
-    <p:sldId id="1241" r:id="rId18"/>
+    <p:sldId id="1267" r:id="rId3"/>
+    <p:sldId id="1268" r:id="rId4"/>
+    <p:sldId id="1269" r:id="rId5"/>
+    <p:sldId id="1270" r:id="rId6"/>
+    <p:sldId id="1240" r:id="rId7"/>
+    <p:sldId id="1242" r:id="rId8"/>
+    <p:sldId id="1243" r:id="rId9"/>
+    <p:sldId id="1244" r:id="rId10"/>
+    <p:sldId id="1257" r:id="rId11"/>
+    <p:sldId id="1258" r:id="rId12"/>
+    <p:sldId id="1259" r:id="rId13"/>
+    <p:sldId id="1260" r:id="rId14"/>
+    <p:sldId id="1261" r:id="rId15"/>
+    <p:sldId id="1262" r:id="rId16"/>
+    <p:sldId id="1263" r:id="rId17"/>
+    <p:sldId id="1266" r:id="rId18"/>
+    <p:sldId id="1245" r:id="rId19"/>
+    <p:sldId id="1241" r:id="rId20"/>
   </p:sldIdLst>
   <p:sldSz cx="12192000" cy="6858000"/>
   <p:notesSz cx="6858000" cy="9144000"/>
@@ -231,7 +233,7 @@
           <a:p>
             <a:fld id="{36B64484-7F23-844A-BCEB-06DFAD827E32}" type="datetimeFigureOut">
               <a:rPr lang="en-US" smtClean="0"/>
-              <a:t>3/1/21</a:t>
+              <a:t>3/3/22</a:t>
             </a:fld>
             <a:endParaRPr lang="en-US"/>
           </a:p>
@@ -408,7 +410,7 @@
           <a:p>
             <a:fld id="{4EBE11B0-21E1-9842-BB37-72784894B0AB}" type="datetimeFigureOut">
               <a:rPr lang="en-US" smtClean="0"/>
-              <a:t>3/1/21</a:t>
+              <a:t>3/3/22</a:t>
             </a:fld>
             <a:endParaRPr lang="en-US"/>
           </a:p>
@@ -740,7 +742,7 @@
           <a:p>
             <a:fld id="{A5379886-461D-DD47-9D0C-6C305824B494}" type="slidenum">
               <a:rPr lang="en-US" smtClean="0"/>
-              <a:t>16</a:t>
+              <a:t>18</a:t>
             </a:fld>
             <a:endParaRPr lang="en-US"/>
           </a:p>
@@ -3990,7 +3992,7 @@
             </a:r>
             <a:r>
               <a:rPr lang="en-US" dirty="0"/>
-              <a:t> Exercises: Help prove termination!</a:t>
+              <a:t> Exercises: Loop invariant?  </a:t>
             </a:r>
           </a:p>
         </p:txBody>
@@ -4000,7 +4002,7 @@
           <p:cNvPr id="6" name="Picture 5" descr="Text&#10;&#10;Description automatically generated">
             <a:extLst>
               <a:ext uri="{FF2B5EF4-FFF2-40B4-BE49-F238E27FC236}">
-                <a16:creationId xmlns:a16="http://schemas.microsoft.com/office/drawing/2014/main" id="{6888051E-5B58-EE49-85A2-37F5108DE870}"/>
+                <a16:creationId xmlns:a16="http://schemas.microsoft.com/office/drawing/2014/main" id="{A85D9B5B-B371-8149-9443-9F24890BA1FA}"/>
               </a:ext>
             </a:extLst>
           </p:cNvPr>
@@ -4017,8 +4019,8 @@
         </p:blipFill>
         <p:spPr>
           <a:xfrm>
-            <a:off x="1920240" y="983412"/>
-            <a:ext cx="7297332" cy="5752996"/>
+            <a:off x="3149600" y="1009650"/>
+            <a:ext cx="5892800" cy="4838700"/>
           </a:xfrm>
           <a:prstGeom prst="rect">
             <a:avLst/>
@@ -4028,7 +4030,7 @@
     </p:spTree>
     <p:extLst>
       <p:ext uri="{BB962C8B-B14F-4D97-AF65-F5344CB8AC3E}">
-        <p14:creationId xmlns:p14="http://schemas.microsoft.com/office/powerpoint/2010/main" val="2728206911"/>
+        <p14:creationId xmlns:p14="http://schemas.microsoft.com/office/powerpoint/2010/main" val="2579524560"/>
       </p:ext>
     </p:extLst>
   </p:cSld>
@@ -4089,7 +4091,7 @@
             </a:r>
             <a:r>
               <a:rPr lang="en-US" dirty="0"/>
-              <a:t> Exercises: Finally! </a:t>
+              <a:t> Exercises: Specification?  </a:t>
             </a:r>
           </a:p>
         </p:txBody>
@@ -4099,7 +4101,7 @@
           <p:cNvPr id="4" name="Picture 3" descr="Text&#10;&#10;Description automatically generated">
             <a:extLst>
               <a:ext uri="{FF2B5EF4-FFF2-40B4-BE49-F238E27FC236}">
-                <a16:creationId xmlns:a16="http://schemas.microsoft.com/office/drawing/2014/main" id="{6BD3B888-FADB-564F-83F1-9DEA1410D3AF}"/>
+                <a16:creationId xmlns:a16="http://schemas.microsoft.com/office/drawing/2014/main" id="{FB71C0E2-2DB2-4E47-A2CF-E8DB1780EEB3}"/>
               </a:ext>
             </a:extLst>
           </p:cNvPr>
@@ -4116,8 +4118,8 @@
         </p:blipFill>
         <p:spPr>
           <a:xfrm>
-            <a:off x="2503066" y="926127"/>
-            <a:ext cx="4206276" cy="5874588"/>
+            <a:off x="3117850" y="1223010"/>
+            <a:ext cx="5956300" cy="5143500"/>
           </a:xfrm>
           <a:prstGeom prst="rect">
             <a:avLst/>
@@ -4127,7 +4129,7 @@
     </p:spTree>
     <p:extLst>
       <p:ext uri="{BB962C8B-B14F-4D97-AF65-F5344CB8AC3E}">
-        <p14:creationId xmlns:p14="http://schemas.microsoft.com/office/powerpoint/2010/main" val="3008123570"/>
+        <p14:creationId xmlns:p14="http://schemas.microsoft.com/office/powerpoint/2010/main" val="1012896407"/>
       </p:ext>
     </p:extLst>
   </p:cSld>
@@ -4172,68 +4174,33 @@
         </p:nvSpPr>
         <p:spPr>
           <a:xfrm>
-            <a:off x="-1" y="247559"/>
-            <a:ext cx="3513909" cy="6388372"/>
+            <a:off x="300446" y="365126"/>
+            <a:ext cx="11891554" cy="618286"/>
           </a:xfrm>
         </p:spPr>
         <p:txBody>
           <a:bodyPr>
-            <a:normAutofit/>
+            <a:normAutofit fontScale="90000"/>
           </a:bodyPr>
           <a:lstStyle/>
           <a:p>
             <a:r>
-              <a:rPr lang="en-US" sz="2800" dirty="0" err="1"/>
+              <a:rPr lang="en-US" dirty="0" err="1"/>
               <a:t>Dafny</a:t>
             </a:r>
             <a:r>
-              <a:rPr lang="en-US" sz="2800" dirty="0"/>
-              <a:t> Exercises: Optimized exp (unfinished..)</a:t>
-            </a:r>
-            <a:br>
-              <a:rPr lang="en-US" sz="2800" dirty="0"/>
-            </a:br>
-            <a:br>
-              <a:rPr lang="en-US" sz="2800" dirty="0"/>
-            </a:br>
-            <a:r>
-              <a:rPr lang="en-US" sz="2800" dirty="0" err="1"/>
-              <a:t>plz</a:t>
-            </a:r>
-            <a:r>
-              <a:rPr lang="en-US" sz="2800" dirty="0"/>
-              <a:t> try with me!</a:t>
-            </a:r>
-            <a:br>
-              <a:rPr lang="en-US" sz="2800" dirty="0"/>
-            </a:br>
-            <a:r>
-              <a:rPr lang="en-US" sz="2800" dirty="0"/>
-              <a:t>Two approaches:</a:t>
-            </a:r>
-            <a:br>
-              <a:rPr lang="en-US" sz="2800" dirty="0"/>
-            </a:br>
-            <a:r>
-              <a:rPr lang="en-US" sz="2800" dirty="0"/>
-              <a:t>1) more simple invariants</a:t>
-            </a:r>
-            <a:br>
-              <a:rPr lang="en-US" sz="2800" dirty="0"/>
-            </a:br>
-            <a:r>
-              <a:rPr lang="en-US" sz="2800" dirty="0"/>
-              <a:t>2) lemma</a:t>
+              <a:rPr lang="en-US" dirty="0"/>
+              <a:t> Exercises: Help prove termination!</a:t>
             </a:r>
           </a:p>
         </p:txBody>
       </p:sp>
       <p:pic>
         <p:nvPicPr>
-          <p:cNvPr id="4" name="Picture 3" descr="Text&#10;&#10;Description automatically generated">
+          <p:cNvPr id="6" name="Picture 5" descr="Text&#10;&#10;Description automatically generated">
             <a:extLst>
               <a:ext uri="{FF2B5EF4-FFF2-40B4-BE49-F238E27FC236}">
-                <a16:creationId xmlns:a16="http://schemas.microsoft.com/office/drawing/2014/main" id="{5B8437CF-CE7D-A242-B73C-690CCE787363}"/>
+                <a16:creationId xmlns:a16="http://schemas.microsoft.com/office/drawing/2014/main" id="{6888051E-5B58-EE49-85A2-37F5108DE870}"/>
               </a:ext>
             </a:extLst>
           </p:cNvPr>
@@ -4250,8 +4217,8 @@
         </p:blipFill>
         <p:spPr>
           <a:xfrm>
-            <a:off x="3650729" y="0"/>
-            <a:ext cx="4890541" cy="6858000"/>
+            <a:off x="1920240" y="983412"/>
+            <a:ext cx="7297332" cy="5752996"/>
           </a:xfrm>
           <a:prstGeom prst="rect">
             <a:avLst/>
@@ -4261,7 +4228,7 @@
     </p:spTree>
     <p:extLst>
       <p:ext uri="{BB962C8B-B14F-4D97-AF65-F5344CB8AC3E}">
-        <p14:creationId xmlns:p14="http://schemas.microsoft.com/office/powerpoint/2010/main" val="136166701"/>
+        <p14:creationId xmlns:p14="http://schemas.microsoft.com/office/powerpoint/2010/main" val="2728206911"/>
       </p:ext>
     </p:extLst>
   </p:cSld>
@@ -4322,49 +4289,17 @@
             </a:r>
             <a:r>
               <a:rPr lang="en-US" dirty="0"/>
-              <a:t> Exercises:  Lin search </a:t>
-            </a:r>
-          </a:p>
-        </p:txBody>
-      </p:sp>
-      <p:sp>
-        <p:nvSpPr>
-          <p:cNvPr id="3" name="TextBox 2">
+              <a:t> Exercises: Finally! </a:t>
+            </a:r>
+          </a:p>
+        </p:txBody>
+      </p:sp>
+      <p:pic>
+        <p:nvPicPr>
+          <p:cNvPr id="4" name="Picture 3" descr="Text&#10;&#10;Description automatically generated">
             <a:extLst>
               <a:ext uri="{FF2B5EF4-FFF2-40B4-BE49-F238E27FC236}">
-                <a16:creationId xmlns:a16="http://schemas.microsoft.com/office/drawing/2014/main" id="{CC982F3F-4F01-5543-8CFB-69AA5EA09ABD}"/>
-              </a:ext>
-            </a:extLst>
-          </p:cNvPr>
-          <p:cNvSpPr txBox="1"/>
-          <p:nvPr/>
-        </p:nvSpPr>
-        <p:spPr>
-          <a:xfrm>
-            <a:off x="3553097" y="3174274"/>
-            <a:ext cx="184731" cy="369332"/>
-          </a:xfrm>
-          <a:prstGeom prst="rect">
-            <a:avLst/>
-          </a:prstGeom>
-          <a:noFill/>
-        </p:spPr>
-        <p:txBody>
-          <a:bodyPr wrap="none" rtlCol="0">
-            <a:spAutoFit/>
-          </a:bodyPr>
-          <a:lstStyle/>
-          <a:p>
-            <a:endParaRPr lang="en-US" dirty="0"/>
-          </a:p>
-        </p:txBody>
-      </p:sp>
-      <p:pic>
-        <p:nvPicPr>
-          <p:cNvPr id="5" name="Picture 4" descr="Text&#10;&#10;Description automatically generated">
-            <a:extLst>
-              <a:ext uri="{FF2B5EF4-FFF2-40B4-BE49-F238E27FC236}">
-                <a16:creationId xmlns:a16="http://schemas.microsoft.com/office/drawing/2014/main" id="{9C8ACFC4-696F-EA4F-8191-FEEDB6BC550E}"/>
+                <a16:creationId xmlns:a16="http://schemas.microsoft.com/office/drawing/2014/main" id="{6BD3B888-FADB-564F-83F1-9DEA1410D3AF}"/>
               </a:ext>
             </a:extLst>
           </p:cNvPr>
@@ -4381,8 +4316,8 @@
         </p:blipFill>
         <p:spPr>
           <a:xfrm>
-            <a:off x="1854200" y="1238250"/>
-            <a:ext cx="8483600" cy="4381500"/>
+            <a:off x="2503066" y="926127"/>
+            <a:ext cx="4206276" cy="5874588"/>
           </a:xfrm>
           <a:prstGeom prst="rect">
             <a:avLst/>
@@ -4392,7 +4327,7 @@
     </p:spTree>
     <p:extLst>
       <p:ext uri="{BB962C8B-B14F-4D97-AF65-F5344CB8AC3E}">
-        <p14:creationId xmlns:p14="http://schemas.microsoft.com/office/powerpoint/2010/main" val="2848976137"/>
+        <p14:creationId xmlns:p14="http://schemas.microsoft.com/office/powerpoint/2010/main" val="3008123570"/>
       </p:ext>
     </p:extLst>
   </p:cSld>
@@ -4437,23 +4372,58 @@
         </p:nvSpPr>
         <p:spPr>
           <a:xfrm>
-            <a:off x="300446" y="365126"/>
-            <a:ext cx="11891554" cy="618286"/>
+            <a:off x="-1" y="247559"/>
+            <a:ext cx="3513909" cy="6388372"/>
           </a:xfrm>
         </p:spPr>
         <p:txBody>
           <a:bodyPr>
-            <a:normAutofit fontScale="90000"/>
+            <a:normAutofit/>
           </a:bodyPr>
           <a:lstStyle/>
           <a:p>
             <a:r>
-              <a:rPr lang="en-US" dirty="0" err="1"/>
+              <a:rPr lang="en-US" sz="2800" dirty="0" err="1"/>
               <a:t>Dafny</a:t>
             </a:r>
             <a:r>
-              <a:rPr lang="en-US" dirty="0"/>
-              <a:t> Exercises:  </a:t>
+              <a:rPr lang="en-US" sz="2800" dirty="0"/>
+              <a:t> Exercises: Optimized exp (unfinished..)</a:t>
+            </a:r>
+            <a:br>
+              <a:rPr lang="en-US" sz="2800" dirty="0"/>
+            </a:br>
+            <a:br>
+              <a:rPr lang="en-US" sz="2800" dirty="0"/>
+            </a:br>
+            <a:r>
+              <a:rPr lang="en-US" sz="2800" dirty="0" err="1"/>
+              <a:t>plz</a:t>
+            </a:r>
+            <a:r>
+              <a:rPr lang="en-US" sz="2800" dirty="0"/>
+              <a:t> try with me!</a:t>
+            </a:r>
+            <a:br>
+              <a:rPr lang="en-US" sz="2800" dirty="0"/>
+            </a:br>
+            <a:r>
+              <a:rPr lang="en-US" sz="2800" dirty="0"/>
+              <a:t>Two approaches:</a:t>
+            </a:r>
+            <a:br>
+              <a:rPr lang="en-US" sz="2800" dirty="0"/>
+            </a:br>
+            <a:r>
+              <a:rPr lang="en-US" sz="2800" dirty="0"/>
+              <a:t>1) more simple invariants</a:t>
+            </a:r>
+            <a:br>
+              <a:rPr lang="en-US" sz="2800" dirty="0"/>
+            </a:br>
+            <a:r>
+              <a:rPr lang="en-US" sz="2800" dirty="0"/>
+              <a:t>2) lemma</a:t>
             </a:r>
           </a:p>
         </p:txBody>
@@ -4463,7 +4433,7 @@
           <p:cNvPr id="4" name="Picture 3" descr="Text&#10;&#10;Description automatically generated">
             <a:extLst>
               <a:ext uri="{FF2B5EF4-FFF2-40B4-BE49-F238E27FC236}">
-                <a16:creationId xmlns:a16="http://schemas.microsoft.com/office/drawing/2014/main" id="{F12EED28-352E-9744-935E-ABE096855D29}"/>
+                <a16:creationId xmlns:a16="http://schemas.microsoft.com/office/drawing/2014/main" id="{5B8437CF-CE7D-A242-B73C-690CCE787363}"/>
               </a:ext>
             </a:extLst>
           </p:cNvPr>
@@ -4480,8 +4450,8 @@
         </p:blipFill>
         <p:spPr>
           <a:xfrm>
-            <a:off x="1136650" y="1333500"/>
-            <a:ext cx="9918700" cy="4191000"/>
+            <a:off x="3650729" y="0"/>
+            <a:ext cx="4890541" cy="6858000"/>
           </a:xfrm>
           <a:prstGeom prst="rect">
             <a:avLst/>
@@ -4491,7 +4461,7 @@
     </p:spTree>
     <p:extLst>
       <p:ext uri="{BB962C8B-B14F-4D97-AF65-F5344CB8AC3E}">
-        <p14:creationId xmlns:p14="http://schemas.microsoft.com/office/powerpoint/2010/main" val="1777060853"/>
+        <p14:creationId xmlns:p14="http://schemas.microsoft.com/office/powerpoint/2010/main" val="136166701"/>
       </p:ext>
     </p:extLst>
   </p:cSld>
@@ -4552,7 +4522,7 @@
             </a:r>
             <a:r>
               <a:rPr lang="en-US" dirty="0"/>
-              <a:t> Exercises:  </a:t>
+              <a:t> Exercises:  Lin search </a:t>
             </a:r>
           </a:p>
         </p:txBody>
@@ -4562,7 +4532,7 @@
           <p:cNvPr id="3" name="TextBox 2">
             <a:extLst>
               <a:ext uri="{FF2B5EF4-FFF2-40B4-BE49-F238E27FC236}">
-                <a16:creationId xmlns:a16="http://schemas.microsoft.com/office/drawing/2014/main" id="{7EC94FEB-6CDD-7C41-BD09-7DD0EBE3E9FF}"/>
+                <a16:creationId xmlns:a16="http://schemas.microsoft.com/office/drawing/2014/main" id="{CC982F3F-4F01-5543-8CFB-69AA5EA09ABD}"/>
               </a:ext>
             </a:extLst>
           </p:cNvPr>
@@ -4571,8 +4541,8 @@
         </p:nvSpPr>
         <p:spPr>
           <a:xfrm>
-            <a:off x="1489166" y="2181497"/>
-            <a:ext cx="5700600" cy="369332"/>
+            <a:off x="3553097" y="3174274"/>
+            <a:ext cx="184731" cy="369332"/>
           </a:xfrm>
           <a:prstGeom prst="rect">
             <a:avLst/>
@@ -4585,17 +4555,44 @@
           </a:bodyPr>
           <a:lstStyle/>
           <a:p>
-            <a:r>
-              <a:rPr lang="en-US" dirty="0"/>
-              <a:t>See other failures and successes – see files kept online</a:t>
-            </a:r>
-          </a:p>
-        </p:txBody>
-      </p:sp>
+            <a:endParaRPr lang="en-US" dirty="0"/>
+          </a:p>
+        </p:txBody>
+      </p:sp>
+      <p:pic>
+        <p:nvPicPr>
+          <p:cNvPr id="5" name="Picture 4" descr="Text&#10;&#10;Description automatically generated">
+            <a:extLst>
+              <a:ext uri="{FF2B5EF4-FFF2-40B4-BE49-F238E27FC236}">
+                <a16:creationId xmlns:a16="http://schemas.microsoft.com/office/drawing/2014/main" id="{9C8ACFC4-696F-EA4F-8191-FEEDB6BC550E}"/>
+              </a:ext>
+            </a:extLst>
+          </p:cNvPr>
+          <p:cNvPicPr>
+            <a:picLocks noChangeAspect="1"/>
+          </p:cNvPicPr>
+          <p:nvPr/>
+        </p:nvPicPr>
+        <p:blipFill>
+          <a:blip r:embed="rId2"/>
+          <a:stretch>
+            <a:fillRect/>
+          </a:stretch>
+        </p:blipFill>
+        <p:spPr>
+          <a:xfrm>
+            <a:off x="1854200" y="1238250"/>
+            <a:ext cx="8483600" cy="4381500"/>
+          </a:xfrm>
+          <a:prstGeom prst="rect">
+            <a:avLst/>
+          </a:prstGeom>
+        </p:spPr>
+      </p:pic>
     </p:spTree>
     <p:extLst>
       <p:ext uri="{BB962C8B-B14F-4D97-AF65-F5344CB8AC3E}">
-        <p14:creationId xmlns:p14="http://schemas.microsoft.com/office/powerpoint/2010/main" val="3241637586"/>
+        <p14:creationId xmlns:p14="http://schemas.microsoft.com/office/powerpoint/2010/main" val="2848976137"/>
       </p:ext>
     </p:extLst>
   </p:cSld>
@@ -4640,6 +4637,209 @@
         </p:nvSpPr>
         <p:spPr>
           <a:xfrm>
+            <a:off x="300446" y="365126"/>
+            <a:ext cx="11891554" cy="618286"/>
+          </a:xfrm>
+        </p:spPr>
+        <p:txBody>
+          <a:bodyPr>
+            <a:normAutofit fontScale="90000"/>
+          </a:bodyPr>
+          <a:lstStyle/>
+          <a:p>
+            <a:r>
+              <a:rPr lang="en-US" dirty="0" err="1"/>
+              <a:t>Dafny</a:t>
+            </a:r>
+            <a:r>
+              <a:rPr lang="en-US" dirty="0"/>
+              <a:t> Exercises:  </a:t>
+            </a:r>
+          </a:p>
+        </p:txBody>
+      </p:sp>
+      <p:pic>
+        <p:nvPicPr>
+          <p:cNvPr id="4" name="Picture 3" descr="Text&#10;&#10;Description automatically generated">
+            <a:extLst>
+              <a:ext uri="{FF2B5EF4-FFF2-40B4-BE49-F238E27FC236}">
+                <a16:creationId xmlns:a16="http://schemas.microsoft.com/office/drawing/2014/main" id="{F12EED28-352E-9744-935E-ABE096855D29}"/>
+              </a:ext>
+            </a:extLst>
+          </p:cNvPr>
+          <p:cNvPicPr>
+            <a:picLocks noChangeAspect="1"/>
+          </p:cNvPicPr>
+          <p:nvPr/>
+        </p:nvPicPr>
+        <p:blipFill>
+          <a:blip r:embed="rId2"/>
+          <a:stretch>
+            <a:fillRect/>
+          </a:stretch>
+        </p:blipFill>
+        <p:spPr>
+          <a:xfrm>
+            <a:off x="1136650" y="1333500"/>
+            <a:ext cx="9918700" cy="4191000"/>
+          </a:xfrm>
+          <a:prstGeom prst="rect">
+            <a:avLst/>
+          </a:prstGeom>
+        </p:spPr>
+      </p:pic>
+    </p:spTree>
+    <p:extLst>
+      <p:ext uri="{BB962C8B-B14F-4D97-AF65-F5344CB8AC3E}">
+        <p14:creationId xmlns:p14="http://schemas.microsoft.com/office/powerpoint/2010/main" val="1777060853"/>
+      </p:ext>
+    </p:extLst>
+  </p:cSld>
+  <p:clrMapOvr>
+    <a:masterClrMapping/>
+  </p:clrMapOvr>
+</p:sld>
+</file>
+
+<file path=ppt/slides/slide17.xml><?xml version="1.0" encoding="utf-8"?>
+<p:sld xmlns:a="http://schemas.openxmlformats.org/drawingml/2006/main" xmlns:r="http://schemas.openxmlformats.org/officeDocument/2006/relationships" xmlns:p="http://schemas.openxmlformats.org/presentationml/2006/main">
+  <p:cSld>
+    <p:spTree>
+      <p:nvGrpSpPr>
+        <p:cNvPr id="1" name=""/>
+        <p:cNvGrpSpPr/>
+        <p:nvPr/>
+      </p:nvGrpSpPr>
+      <p:grpSpPr>
+        <a:xfrm>
+          <a:off x="0" y="0"/>
+          <a:ext cx="0" cy="0"/>
+          <a:chOff x="0" y="0"/>
+          <a:chExt cx="0" cy="0"/>
+        </a:xfrm>
+      </p:grpSpPr>
+      <p:sp>
+        <p:nvSpPr>
+          <p:cNvPr id="2" name="Title 1">
+            <a:extLst>
+              <a:ext uri="{FF2B5EF4-FFF2-40B4-BE49-F238E27FC236}">
+                <a16:creationId xmlns:a16="http://schemas.microsoft.com/office/drawing/2014/main" id="{5214BD27-BDF5-664D-9D83-54A21FCDACF0}"/>
+              </a:ext>
+            </a:extLst>
+          </p:cNvPr>
+          <p:cNvSpPr>
+            <a:spLocks noGrp="1"/>
+          </p:cNvSpPr>
+          <p:nvPr>
+            <p:ph type="title"/>
+          </p:nvPr>
+        </p:nvSpPr>
+        <p:spPr>
+          <a:xfrm>
+            <a:off x="300446" y="365126"/>
+            <a:ext cx="11891554" cy="618286"/>
+          </a:xfrm>
+        </p:spPr>
+        <p:txBody>
+          <a:bodyPr>
+            <a:normAutofit fontScale="90000"/>
+          </a:bodyPr>
+          <a:lstStyle/>
+          <a:p>
+            <a:r>
+              <a:rPr lang="en-US" dirty="0" err="1"/>
+              <a:t>Dafny</a:t>
+            </a:r>
+            <a:r>
+              <a:rPr lang="en-US" dirty="0"/>
+              <a:t> Exercises:  </a:t>
+            </a:r>
+          </a:p>
+        </p:txBody>
+      </p:sp>
+      <p:sp>
+        <p:nvSpPr>
+          <p:cNvPr id="3" name="TextBox 2">
+            <a:extLst>
+              <a:ext uri="{FF2B5EF4-FFF2-40B4-BE49-F238E27FC236}">
+                <a16:creationId xmlns:a16="http://schemas.microsoft.com/office/drawing/2014/main" id="{7EC94FEB-6CDD-7C41-BD09-7DD0EBE3E9FF}"/>
+              </a:ext>
+            </a:extLst>
+          </p:cNvPr>
+          <p:cNvSpPr txBox="1"/>
+          <p:nvPr/>
+        </p:nvSpPr>
+        <p:spPr>
+          <a:xfrm>
+            <a:off x="1489166" y="2181497"/>
+            <a:ext cx="5700600" cy="369332"/>
+          </a:xfrm>
+          <a:prstGeom prst="rect">
+            <a:avLst/>
+          </a:prstGeom>
+          <a:noFill/>
+        </p:spPr>
+        <p:txBody>
+          <a:bodyPr wrap="none" rtlCol="0">
+            <a:spAutoFit/>
+          </a:bodyPr>
+          <a:lstStyle/>
+          <a:p>
+            <a:r>
+              <a:rPr lang="en-US" dirty="0"/>
+              <a:t>See other failures and successes – see files kept online</a:t>
+            </a:r>
+          </a:p>
+        </p:txBody>
+      </p:sp>
+    </p:spTree>
+    <p:extLst>
+      <p:ext uri="{BB962C8B-B14F-4D97-AF65-F5344CB8AC3E}">
+        <p14:creationId xmlns:p14="http://schemas.microsoft.com/office/powerpoint/2010/main" val="3241637586"/>
+      </p:ext>
+    </p:extLst>
+  </p:cSld>
+  <p:clrMapOvr>
+    <a:masterClrMapping/>
+  </p:clrMapOvr>
+</p:sld>
+</file>
+
+<file path=ppt/slides/slide18.xml><?xml version="1.0" encoding="utf-8"?>
+<p:sld xmlns:a="http://schemas.openxmlformats.org/drawingml/2006/main" xmlns:r="http://schemas.openxmlformats.org/officeDocument/2006/relationships" xmlns:p="http://schemas.openxmlformats.org/presentationml/2006/main">
+  <p:cSld>
+    <p:spTree>
+      <p:nvGrpSpPr>
+        <p:cNvPr id="1" name=""/>
+        <p:cNvGrpSpPr/>
+        <p:nvPr/>
+      </p:nvGrpSpPr>
+      <p:grpSpPr>
+        <a:xfrm>
+          <a:off x="0" y="0"/>
+          <a:ext cx="0" cy="0"/>
+          <a:chOff x="0" y="0"/>
+          <a:chExt cx="0" cy="0"/>
+        </a:xfrm>
+      </p:grpSpPr>
+      <p:sp>
+        <p:nvSpPr>
+          <p:cNvPr id="2" name="Title 1">
+            <a:extLst>
+              <a:ext uri="{FF2B5EF4-FFF2-40B4-BE49-F238E27FC236}">
+                <a16:creationId xmlns:a16="http://schemas.microsoft.com/office/drawing/2014/main" id="{5214BD27-BDF5-664D-9D83-54A21FCDACF0}"/>
+              </a:ext>
+            </a:extLst>
+          </p:cNvPr>
+          <p:cNvSpPr>
+            <a:spLocks noGrp="1"/>
+          </p:cNvSpPr>
+          <p:nvPr>
+            <p:ph type="title"/>
+          </p:nvPr>
+        </p:nvSpPr>
+        <p:spPr>
+          <a:xfrm>
             <a:off x="838200" y="365126"/>
             <a:ext cx="11205754" cy="618286"/>
           </a:xfrm>
@@ -4705,7 +4905,7 @@
 </p:sld>
 </file>
 
-<file path=ppt/slides/slide17.xml><?xml version="1.0" encoding="utf-8"?>
+<file path=ppt/slides/slide19.xml><?xml version="1.0" encoding="utf-8"?>
 <p:sld xmlns:a="http://schemas.openxmlformats.org/drawingml/2006/main" xmlns:r="http://schemas.openxmlformats.org/officeDocument/2006/relationships" xmlns:p="http://schemas.openxmlformats.org/presentationml/2006/main">
   <p:cSld>
     <p:spTree>
@@ -4852,7 +5052,7 @@
           <p:cNvPr id="2" name="Title 1">
             <a:extLst>
               <a:ext uri="{FF2B5EF4-FFF2-40B4-BE49-F238E27FC236}">
-                <a16:creationId xmlns:a16="http://schemas.microsoft.com/office/drawing/2014/main" id="{3EA25469-74F9-AD43-9AD4-038AEE67E9C2}"/>
+                <a16:creationId xmlns:a16="http://schemas.microsoft.com/office/drawing/2014/main" id="{5214BD27-BDF5-664D-9D83-54A21FCDACF0}"/>
               </a:ext>
             </a:extLst>
           </p:cNvPr>
@@ -4863,24 +5063,31 @@
             <p:ph type="title"/>
           </p:nvPr>
         </p:nvSpPr>
-        <p:spPr/>
-        <p:txBody>
-          <a:bodyPr/>
+        <p:spPr>
+          <a:xfrm>
+            <a:off x="838200" y="365126"/>
+            <a:ext cx="11205754" cy="618286"/>
+          </a:xfrm>
+        </p:spPr>
+        <p:txBody>
+          <a:bodyPr>
+            <a:normAutofit fontScale="90000"/>
+          </a:bodyPr>
           <a:lstStyle/>
           <a:p>
             <a:r>
               <a:rPr lang="en-US" dirty="0"/>
-              <a:t>11</a:t>
-            </a:r>
-          </a:p>
-        </p:txBody>
-      </p:sp>
-      <p:sp>
-        <p:nvSpPr>
-          <p:cNvPr id="3" name="Text Placeholder 2">
+              <a:t>Overview of lectures before/after break</a:t>
+            </a:r>
+          </a:p>
+        </p:txBody>
+      </p:sp>
+      <p:sp>
+        <p:nvSpPr>
+          <p:cNvPr id="5" name="Content Placeholder 4">
             <a:extLst>
               <a:ext uri="{FF2B5EF4-FFF2-40B4-BE49-F238E27FC236}">
-                <a16:creationId xmlns:a16="http://schemas.microsoft.com/office/drawing/2014/main" id="{686CD4B8-662E-1049-A3C6-BF9F9804CD68}"/>
+                <a16:creationId xmlns:a16="http://schemas.microsoft.com/office/drawing/2014/main" id="{C889DA17-52DA-2B4D-BC3F-5CFA3FFFEF8D}"/>
               </a:ext>
             </a:extLst>
           </p:cNvPr>
@@ -4888,40 +5095,147 @@
             <a:spLocks noGrp="1"/>
           </p:cNvSpPr>
           <p:nvPr>
-            <p:ph type="body" idx="1"/>
-          </p:nvPr>
-        </p:nvSpPr>
-        <p:spPr>
-          <a:xfrm>
-            <a:off x="1190625" y="3536155"/>
-            <a:ext cx="9810750" cy="1175693"/>
+            <p:ph idx="1"/>
+          </p:nvPr>
+        </p:nvSpPr>
+        <p:spPr>
+          <a:xfrm>
+            <a:off x="838200" y="1393902"/>
+            <a:ext cx="10515600" cy="4783061"/>
           </a:xfrm>
         </p:spPr>
         <p:txBody>
           <a:bodyPr>
-            <a:normAutofit/>
+            <a:normAutofit fontScale="85000" lnSpcReduction="20000"/>
           </a:bodyPr>
           <a:lstStyle/>
           <a:p>
             <a:r>
               <a:rPr lang="en-US" dirty="0"/>
-              <a:t>More Hoare Logic</a:t>
-            </a:r>
-          </a:p>
-          <a:p>
+              <a:t>Today, 3/3</a:t>
+            </a:r>
+          </a:p>
+          <a:p>
+            <a:pPr lvl="1"/>
+            <a:r>
+              <a:rPr lang="en-US" dirty="0"/>
+              <a:t>Show how FOL encodings can be made in Alloy</a:t>
+            </a:r>
+          </a:p>
+          <a:p>
+            <a:pPr lvl="1"/>
+            <a:r>
+              <a:rPr lang="en-US" dirty="0"/>
+              <a:t>What tools exist and we can learn from</a:t>
+            </a:r>
+          </a:p>
+          <a:p>
+            <a:pPr lvl="2"/>
+            <a:r>
+              <a:rPr lang="en-US" dirty="0"/>
+              <a:t>Gordon’s verifier</a:t>
+            </a:r>
+          </a:p>
+          <a:p>
+            <a:pPr lvl="2"/>
+            <a:r>
+              <a:rPr lang="en-US" dirty="0"/>
+              <a:t>Hoare-verifier in Python + Z3</a:t>
+            </a:r>
+          </a:p>
+          <a:p>
+            <a:pPr lvl="2"/>
             <a:r>
               <a:rPr lang="en-US" dirty="0" err="1"/>
               <a:t>Dafny</a:t>
             </a:r>
+            <a:endParaRPr lang="en-US" dirty="0"/>
+          </a:p>
+          <a:p>
+            <a:pPr lvl="2"/>
+            <a:r>
+              <a:rPr lang="en-US" dirty="0" err="1"/>
+              <a:t>Verifast</a:t>
+            </a:r>
             <a:r>
               <a:rPr lang="en-US" dirty="0"/>
-              <a:t> Exercises</a:t>
-            </a:r>
-          </a:p>
-          <a:p>
+              <a:t> (does also separation logic)</a:t>
+            </a:r>
+          </a:p>
+          <a:p>
+            <a:pPr lvl="2"/>
             <a:r>
               <a:rPr lang="en-US" dirty="0"/>
-              <a:t>Gordon’s Prover (code read)</a:t>
+              <a:t>Left tutorials online</a:t>
+            </a:r>
+          </a:p>
+          <a:p>
+            <a:r>
+              <a:rPr lang="en-US" dirty="0"/>
+              <a:t>After the break</a:t>
+            </a:r>
+          </a:p>
+          <a:p>
+            <a:pPr lvl="1"/>
+            <a:r>
+              <a:rPr lang="en-US" dirty="0"/>
+              <a:t>Can we see where the state-of-the-art is in concurrent program verification?</a:t>
+            </a:r>
+          </a:p>
+          <a:p>
+            <a:pPr lvl="2"/>
+            <a:r>
+              <a:rPr lang="en-US" dirty="0"/>
+              <a:t>Perhaps involves separation logic</a:t>
+            </a:r>
+          </a:p>
+          <a:p>
+            <a:pPr lvl="3"/>
+            <a:r>
+              <a:rPr lang="en-US" dirty="0"/>
+              <a:t>Also perhaps involves the Rust language</a:t>
+            </a:r>
+          </a:p>
+          <a:p>
+            <a:pPr lvl="1"/>
+            <a:r>
+              <a:rPr lang="en-US" dirty="0"/>
+              <a:t>This means we must study</a:t>
+            </a:r>
+          </a:p>
+          <a:p>
+            <a:pPr lvl="2"/>
+            <a:r>
+              <a:rPr lang="en-US" dirty="0"/>
+              <a:t>First-Order Logic</a:t>
+            </a:r>
+          </a:p>
+          <a:p>
+            <a:pPr lvl="2"/>
+            <a:r>
+              <a:rPr lang="en-US" dirty="0"/>
+              <a:t>Hoare Logic</a:t>
+            </a:r>
+          </a:p>
+          <a:p>
+            <a:pPr lvl="2"/>
+            <a:r>
+              <a:rPr lang="en-US" dirty="0"/>
+              <a:t>Separation Logic</a:t>
+            </a:r>
+          </a:p>
+          <a:p>
+            <a:pPr lvl="3"/>
+            <a:r>
+              <a:rPr lang="en-US" dirty="0"/>
+              <a:t>Would be good to read  the PhD dissertation</a:t>
+            </a:r>
+          </a:p>
+          <a:p>
+            <a:pPr lvl="4"/>
+            <a:r>
+              <a:rPr lang="en-US" dirty="0"/>
+              <a:t> “Understanding and evolving the Rust programming language”</a:t>
             </a:r>
           </a:p>
         </p:txBody>
@@ -4929,14 +5243,13 @@
     </p:spTree>
     <p:extLst>
       <p:ext uri="{BB962C8B-B14F-4D97-AF65-F5344CB8AC3E}">
-        <p14:creationId xmlns:p14="http://schemas.microsoft.com/office/powerpoint/2010/main" val="2044344968"/>
+        <p14:creationId xmlns:p14="http://schemas.microsoft.com/office/powerpoint/2010/main" val="1687885435"/>
       </p:ext>
     </p:extLst>
   </p:cSld>
   <p:clrMapOvr>
     <a:masterClrMapping/>
   </p:clrMapOvr>
-  <p:transition spd="med"/>
 </p:sld>
 </file>
 
@@ -4962,7 +5275,7 @@
           <p:cNvPr id="2" name="Title 1">
             <a:extLst>
               <a:ext uri="{FF2B5EF4-FFF2-40B4-BE49-F238E27FC236}">
-                <a16:creationId xmlns:a16="http://schemas.microsoft.com/office/drawing/2014/main" id="{3EA25469-74F9-AD43-9AD4-038AEE67E9C2}"/>
+                <a16:creationId xmlns:a16="http://schemas.microsoft.com/office/drawing/2014/main" id="{5214BD27-BDF5-664D-9D83-54A21FCDACF0}"/>
               </a:ext>
             </a:extLst>
           </p:cNvPr>
@@ -4975,8 +5288,43 @@
         </p:nvSpPr>
         <p:spPr>
           <a:xfrm>
-            <a:off x="159026" y="167192"/>
-            <a:ext cx="2295939" cy="6223669"/>
+            <a:off x="838200" y="365126"/>
+            <a:ext cx="11205754" cy="618286"/>
+          </a:xfrm>
+        </p:spPr>
+        <p:txBody>
+          <a:bodyPr>
+            <a:normAutofit fontScale="90000"/>
+          </a:bodyPr>
+          <a:lstStyle/>
+          <a:p>
+            <a:r>
+              <a:rPr lang="en-US" dirty="0"/>
+              <a:t>Overview of lectures before/after break</a:t>
+            </a:r>
+          </a:p>
+        </p:txBody>
+      </p:sp>
+      <p:sp>
+        <p:nvSpPr>
+          <p:cNvPr id="5" name="Content Placeholder 4">
+            <a:extLst>
+              <a:ext uri="{FF2B5EF4-FFF2-40B4-BE49-F238E27FC236}">
+                <a16:creationId xmlns:a16="http://schemas.microsoft.com/office/drawing/2014/main" id="{C889DA17-52DA-2B4D-BC3F-5CFA3FFFEF8D}"/>
+              </a:ext>
+            </a:extLst>
+          </p:cNvPr>
+          <p:cNvSpPr>
+            <a:spLocks noGrp="1"/>
+          </p:cNvSpPr>
+          <p:nvPr>
+            <p:ph idx="1"/>
+          </p:nvPr>
+        </p:nvSpPr>
+        <p:spPr>
+          <a:xfrm>
+            <a:off x="838200" y="1393902"/>
+            <a:ext cx="10515600" cy="4783061"/>
           </a:xfrm>
         </p:spPr>
         <p:txBody>
@@ -4987,52 +5335,107 @@
           <a:p>
             <a:r>
               <a:rPr lang="en-US" dirty="0"/>
-              <a:t>Where we are</a:t>
-            </a:r>
-          </a:p>
-        </p:txBody>
-      </p:sp>
-      <p:pic>
-        <p:nvPicPr>
-          <p:cNvPr id="4" name="Picture 3" descr="Table&#10;&#10;Description automatically generated">
-            <a:extLst>
-              <a:ext uri="{FF2B5EF4-FFF2-40B4-BE49-F238E27FC236}">
-                <a16:creationId xmlns:a16="http://schemas.microsoft.com/office/drawing/2014/main" id="{544A1E76-368D-574D-8521-A2CAC3A475ED}"/>
-              </a:ext>
-            </a:extLst>
-          </p:cNvPr>
-          <p:cNvPicPr>
-            <a:picLocks noChangeAspect="1"/>
-          </p:cNvPicPr>
-          <p:nvPr/>
-        </p:nvPicPr>
-        <p:blipFill>
-          <a:blip r:embed="rId2"/>
-          <a:stretch>
-            <a:fillRect/>
-          </a:stretch>
-        </p:blipFill>
-        <p:spPr>
-          <a:xfrm>
-            <a:off x="2476785" y="0"/>
-            <a:ext cx="7238429" cy="6858000"/>
-          </a:xfrm>
-          <a:prstGeom prst="rect">
-            <a:avLst/>
-          </a:prstGeom>
-        </p:spPr>
-      </p:pic>
+              <a:t>Assignment 6</a:t>
+            </a:r>
+          </a:p>
+          <a:p>
+            <a:pPr lvl="1"/>
+            <a:r>
+              <a:rPr lang="en-US" dirty="0"/>
+              <a:t>Question 1:</a:t>
+            </a:r>
+          </a:p>
+          <a:p>
+            <a:pPr lvl="2"/>
+            <a:r>
+              <a:rPr lang="en-US" dirty="0"/>
+              <a:t>Use the Alloy simulation of FOL and check validity (see next slide)</a:t>
+            </a:r>
+          </a:p>
+          <a:p>
+            <a:pPr lvl="1"/>
+            <a:r>
+              <a:rPr lang="en-US" dirty="0"/>
+              <a:t>Question 2:</a:t>
+            </a:r>
+          </a:p>
+          <a:p>
+            <a:pPr lvl="2"/>
+            <a:r>
+              <a:rPr lang="en-US" dirty="0"/>
+              <a:t>Read Mike-Gordon-</a:t>
+            </a:r>
+            <a:r>
+              <a:rPr lang="en-US" dirty="0" err="1"/>
+              <a:t>Slides.pdf</a:t>
+            </a:r>
+            <a:endParaRPr lang="en-US" dirty="0"/>
+          </a:p>
+          <a:p>
+            <a:pPr lvl="3"/>
+            <a:r>
+              <a:rPr lang="en-US" dirty="0"/>
+              <a:t>Covers Hoare Logic, First-Order Logic, Separation Logic</a:t>
+            </a:r>
+          </a:p>
+          <a:p>
+            <a:pPr lvl="2"/>
+            <a:r>
+              <a:rPr lang="en-US" dirty="0"/>
+              <a:t>Try the Gordon Prover</a:t>
+            </a:r>
+          </a:p>
+          <a:p>
+            <a:pPr lvl="1"/>
+            <a:r>
+              <a:rPr lang="en-US" dirty="0"/>
+              <a:t>Question 3:</a:t>
+            </a:r>
+          </a:p>
+          <a:p>
+            <a:pPr lvl="2"/>
+            <a:r>
+              <a:rPr lang="en-US" dirty="0"/>
+              <a:t>Project Selection</a:t>
+            </a:r>
+          </a:p>
+          <a:p>
+            <a:pPr lvl="3"/>
+            <a:r>
+              <a:rPr lang="en-US" dirty="0"/>
+              <a:t>A 2-page proposal</a:t>
+            </a:r>
+          </a:p>
+          <a:p>
+            <a:pPr lvl="3"/>
+            <a:r>
+              <a:rPr lang="en-US" dirty="0"/>
+              <a:t>Details TBD</a:t>
+            </a:r>
+          </a:p>
+          <a:p>
+            <a:pPr lvl="3"/>
+            <a:r>
+              <a:rPr lang="en-US" dirty="0"/>
+              <a:t>John has been briefed </a:t>
+            </a:r>
+          </a:p>
+          <a:p>
+            <a:pPr lvl="1"/>
+            <a:endParaRPr lang="en-US" dirty="0"/>
+          </a:p>
+        </p:txBody>
+      </p:sp>
     </p:spTree>
     <p:extLst>
       <p:ext uri="{BB962C8B-B14F-4D97-AF65-F5344CB8AC3E}">
-        <p14:creationId xmlns:p14="http://schemas.microsoft.com/office/powerpoint/2010/main" val="3275477145"/>
+        <p14:creationId xmlns:p14="http://schemas.microsoft.com/office/powerpoint/2010/main" val="3170817662"/>
       </p:ext>
     </p:extLst>
   </p:cSld>
   <p:clrMapOvr>
     <a:masterClrMapping/>
   </p:clrMapOvr>
-  <p:transition spd="med"/>
 </p:sld>
 </file>
 
@@ -5055,10 +5458,10 @@
       </p:grpSpPr>
       <p:sp>
         <p:nvSpPr>
-          <p:cNvPr id="2" name="Title 1">
+          <p:cNvPr id="5" name="Content Placeholder 4">
             <a:extLst>
               <a:ext uri="{FF2B5EF4-FFF2-40B4-BE49-F238E27FC236}">
-                <a16:creationId xmlns:a16="http://schemas.microsoft.com/office/drawing/2014/main" id="{5214BD27-BDF5-664D-9D83-54A21FCDACF0}"/>
+                <a16:creationId xmlns:a16="http://schemas.microsoft.com/office/drawing/2014/main" id="{C889DA17-52DA-2B4D-BC3F-5CFA3FFFEF8D}"/>
               </a:ext>
             </a:extLst>
           </p:cNvPr>
@@ -5066,38 +5469,55 @@
             <a:spLocks noGrp="1"/>
           </p:cNvSpPr>
           <p:nvPr>
-            <p:ph type="title"/>
-          </p:nvPr>
-        </p:nvSpPr>
-        <p:spPr>
-          <a:xfrm>
-            <a:off x="838200" y="365126"/>
-            <a:ext cx="11205754" cy="618286"/>
+            <p:ph idx="1"/>
+          </p:nvPr>
+        </p:nvSpPr>
+        <p:spPr>
+          <a:xfrm>
+            <a:off x="148047" y="1348538"/>
+            <a:ext cx="1075446" cy="1617687"/>
           </a:xfrm>
         </p:spPr>
         <p:txBody>
           <a:bodyPr>
-            <a:normAutofit fontScale="90000"/>
+            <a:normAutofit/>
           </a:bodyPr>
           <a:lstStyle/>
           <a:p>
-            <a:r>
-              <a:rPr lang="en-US" dirty="0" err="1"/>
-              <a:t>Dafny</a:t>
-            </a:r>
+            <a:pPr marL="0" indent="0">
+              <a:buNone/>
+            </a:pPr>
             <a:r>
               <a:rPr lang="en-US" dirty="0"/>
-              <a:t> Exercises: Loop invariant?</a:t>
+              <a:t>FOL</a:t>
+            </a:r>
+          </a:p>
+          <a:p>
+            <a:pPr marL="0" indent="0">
+              <a:buNone/>
+            </a:pPr>
+            <a:r>
+              <a:rPr lang="en-US" dirty="0"/>
+              <a:t>Work</a:t>
+            </a:r>
+          </a:p>
+          <a:p>
+            <a:pPr marL="0" indent="0">
+              <a:buNone/>
+            </a:pPr>
+            <a:r>
+              <a:rPr lang="en-US" dirty="0"/>
+              <a:t>book</a:t>
             </a:r>
           </a:p>
         </p:txBody>
       </p:sp>
       <p:pic>
         <p:nvPicPr>
-          <p:cNvPr id="7" name="Picture 6" descr="Text&#10;&#10;Description automatically generated">
+          <p:cNvPr id="4" name="Picture 3" descr="Text, letter&#10;&#10;Description automatically generated">
             <a:extLst>
               <a:ext uri="{FF2B5EF4-FFF2-40B4-BE49-F238E27FC236}">
-                <a16:creationId xmlns:a16="http://schemas.microsoft.com/office/drawing/2014/main" id="{5953FE8B-C3DE-2941-A7ED-3837042BA301}"/>
+                <a16:creationId xmlns:a16="http://schemas.microsoft.com/office/drawing/2014/main" id="{1C827179-28A2-894D-A86D-35EA13F9351C}"/>
               </a:ext>
             </a:extLst>
           </p:cNvPr>
@@ -5114,8 +5534,8 @@
         </p:blipFill>
         <p:spPr>
           <a:xfrm>
-            <a:off x="3213100" y="1733550"/>
-            <a:ext cx="5765800" cy="3390900"/>
+            <a:off x="1524000" y="0"/>
+            <a:ext cx="9144000" cy="6858000"/>
           </a:xfrm>
           <a:prstGeom prst="rect">
             <a:avLst/>
@@ -5125,7 +5545,7 @@
     </p:spTree>
     <p:extLst>
       <p:ext uri="{BB962C8B-B14F-4D97-AF65-F5344CB8AC3E}">
-        <p14:creationId xmlns:p14="http://schemas.microsoft.com/office/powerpoint/2010/main" val="2845488053"/>
+        <p14:creationId xmlns:p14="http://schemas.microsoft.com/office/powerpoint/2010/main" val="98112523"/>
       </p:ext>
     </p:extLst>
   </p:cSld>
@@ -5157,7 +5577,7 @@
           <p:cNvPr id="2" name="Title 1">
             <a:extLst>
               <a:ext uri="{FF2B5EF4-FFF2-40B4-BE49-F238E27FC236}">
-                <a16:creationId xmlns:a16="http://schemas.microsoft.com/office/drawing/2014/main" id="{5214BD27-BDF5-664D-9D83-54A21FCDACF0}"/>
+                <a16:creationId xmlns:a16="http://schemas.microsoft.com/office/drawing/2014/main" id="{E0529347-8E03-5745-A305-AF41325E1120}"/>
               </a:ext>
             </a:extLst>
           </p:cNvPr>
@@ -5168,12 +5588,7 @@
             <p:ph type="title"/>
           </p:nvPr>
         </p:nvSpPr>
-        <p:spPr>
-          <a:xfrm>
-            <a:off x="838200" y="365126"/>
-            <a:ext cx="11205754" cy="618286"/>
-          </a:xfrm>
-        </p:spPr>
+        <p:spPr/>
         <p:txBody>
           <a:bodyPr>
             <a:normAutofit fontScale="90000"/>
@@ -5181,58 +5596,49 @@
           <a:lstStyle/>
           <a:p>
             <a:r>
+              <a:rPr lang="en-US" dirty="0"/>
+              <a:t>Material on </a:t>
+            </a:r>
+            <a:r>
               <a:rPr lang="en-US" dirty="0" err="1"/>
               <a:t>Dafny</a:t>
             </a:r>
             <a:r>
               <a:rPr lang="en-US" dirty="0"/>
-              <a:t> Exercises: </a:t>
-            </a:r>
-            <a:r>
-              <a:rPr lang="en-US" dirty="0" err="1"/>
-              <a:t>specificiation</a:t>
-            </a:r>
-            <a:r>
-              <a:rPr lang="en-US" dirty="0"/>
-              <a:t> of power?</a:t>
-            </a:r>
-          </a:p>
-        </p:txBody>
-      </p:sp>
-      <p:pic>
-        <p:nvPicPr>
-          <p:cNvPr id="4" name="Picture 3" descr="Text&#10;&#10;Description automatically generated">
+              <a:t> (after the break)</a:t>
+            </a:r>
+          </a:p>
+        </p:txBody>
+      </p:sp>
+      <p:sp>
+        <p:nvSpPr>
+          <p:cNvPr id="3" name="Content Placeholder 2">
             <a:extLst>
               <a:ext uri="{FF2B5EF4-FFF2-40B4-BE49-F238E27FC236}">
-                <a16:creationId xmlns:a16="http://schemas.microsoft.com/office/drawing/2014/main" id="{33458A63-DF06-F740-B53E-B604E4B9AAFE}"/>
+                <a16:creationId xmlns:a16="http://schemas.microsoft.com/office/drawing/2014/main" id="{F6F2EB0E-4EBA-9E41-A915-2E5A2D97575C}"/>
               </a:ext>
             </a:extLst>
           </p:cNvPr>
-          <p:cNvPicPr>
-            <a:picLocks noChangeAspect="1"/>
-          </p:cNvPicPr>
-          <p:nvPr/>
-        </p:nvPicPr>
-        <p:blipFill>
-          <a:blip r:embed="rId2"/>
-          <a:stretch>
-            <a:fillRect/>
-          </a:stretch>
-        </p:blipFill>
-        <p:spPr>
-          <a:xfrm>
-            <a:off x="3105150" y="1612900"/>
-            <a:ext cx="5981700" cy="3632200"/>
-          </a:xfrm>
-          <a:prstGeom prst="rect">
-            <a:avLst/>
-          </a:prstGeom>
-        </p:spPr>
-      </p:pic>
+          <p:cNvSpPr>
+            <a:spLocks noGrp="1"/>
+          </p:cNvSpPr>
+          <p:nvPr>
+            <p:ph idx="1"/>
+          </p:nvPr>
+        </p:nvSpPr>
+        <p:spPr/>
+        <p:txBody>
+          <a:bodyPr/>
+          <a:lstStyle/>
+          <a:p>
+            <a:endParaRPr lang="en-US"/>
+          </a:p>
+        </p:txBody>
+      </p:sp>
     </p:spTree>
     <p:extLst>
       <p:ext uri="{BB962C8B-B14F-4D97-AF65-F5344CB8AC3E}">
-        <p14:creationId xmlns:p14="http://schemas.microsoft.com/office/powerpoint/2010/main" val="1041444695"/>
+        <p14:creationId xmlns:p14="http://schemas.microsoft.com/office/powerpoint/2010/main" val="3039521154"/>
       </p:ext>
     </p:extLst>
   </p:cSld>
@@ -5293,17 +5699,17 @@
             </a:r>
             <a:r>
               <a:rPr lang="en-US" dirty="0"/>
-              <a:t> Exercises</a:t>
+              <a:t> Exercises: Loop invariant?</a:t>
             </a:r>
           </a:p>
         </p:txBody>
       </p:sp>
       <p:pic>
         <p:nvPicPr>
-          <p:cNvPr id="4" name="Picture 3" descr="Text&#10;&#10;Description automatically generated">
+          <p:cNvPr id="7" name="Picture 6" descr="Text&#10;&#10;Description automatically generated">
             <a:extLst>
               <a:ext uri="{FF2B5EF4-FFF2-40B4-BE49-F238E27FC236}">
-                <a16:creationId xmlns:a16="http://schemas.microsoft.com/office/drawing/2014/main" id="{5991B5E1-8895-8443-ADDB-7D94396CCD8D}"/>
+                <a16:creationId xmlns:a16="http://schemas.microsoft.com/office/drawing/2014/main" id="{5953FE8B-C3DE-2941-A7ED-3837042BA301}"/>
               </a:ext>
             </a:extLst>
           </p:cNvPr>
@@ -5320,8 +5726,8 @@
         </p:blipFill>
         <p:spPr>
           <a:xfrm>
-            <a:off x="2971800" y="1238250"/>
-            <a:ext cx="6248400" cy="4381500"/>
+            <a:off x="3213100" y="1733550"/>
+            <a:ext cx="5765800" cy="3390900"/>
           </a:xfrm>
           <a:prstGeom prst="rect">
             <a:avLst/>
@@ -5331,7 +5737,7 @@
     </p:spTree>
     <p:extLst>
       <p:ext uri="{BB962C8B-B14F-4D97-AF65-F5344CB8AC3E}">
-        <p14:creationId xmlns:p14="http://schemas.microsoft.com/office/powerpoint/2010/main" val="102671484"/>
+        <p14:creationId xmlns:p14="http://schemas.microsoft.com/office/powerpoint/2010/main" val="2845488053"/>
       </p:ext>
     </p:extLst>
   </p:cSld>
@@ -5376,8 +5782,8 @@
         </p:nvSpPr>
         <p:spPr>
           <a:xfrm>
-            <a:off x="300446" y="365126"/>
-            <a:ext cx="11891554" cy="618286"/>
+            <a:off x="838200" y="365126"/>
+            <a:ext cx="11205754" cy="618286"/>
           </a:xfrm>
         </p:spPr>
         <p:txBody>
@@ -5392,17 +5798,25 @@
             </a:r>
             <a:r>
               <a:rPr lang="en-US" dirty="0"/>
-              <a:t> Exercises: Ranking function (“decreases”)?</a:t>
+              <a:t> Exercises: </a:t>
+            </a:r>
+            <a:r>
+              <a:rPr lang="en-US" dirty="0" err="1"/>
+              <a:t>specificiation</a:t>
+            </a:r>
+            <a:r>
+              <a:rPr lang="en-US" dirty="0"/>
+              <a:t> of power?</a:t>
             </a:r>
           </a:p>
         </p:txBody>
       </p:sp>
       <p:pic>
         <p:nvPicPr>
-          <p:cNvPr id="4" name="Picture 3" descr="Shape&#10;&#10;Description automatically generated with medium confidence">
+          <p:cNvPr id="4" name="Picture 3" descr="Text&#10;&#10;Description automatically generated">
             <a:extLst>
               <a:ext uri="{FF2B5EF4-FFF2-40B4-BE49-F238E27FC236}">
-                <a16:creationId xmlns:a16="http://schemas.microsoft.com/office/drawing/2014/main" id="{4E81F467-8D27-2340-A848-817DB4697E94}"/>
+                <a16:creationId xmlns:a16="http://schemas.microsoft.com/office/drawing/2014/main" id="{33458A63-DF06-F740-B53E-B604E4B9AAFE}"/>
               </a:ext>
             </a:extLst>
           </p:cNvPr>
@@ -5419,8 +5833,8 @@
         </p:blipFill>
         <p:spPr>
           <a:xfrm>
-            <a:off x="3136900" y="1123950"/>
-            <a:ext cx="5918200" cy="4610100"/>
+            <a:off x="3105150" y="1612900"/>
+            <a:ext cx="5981700" cy="3632200"/>
           </a:xfrm>
           <a:prstGeom prst="rect">
             <a:avLst/>
@@ -5430,7 +5844,7 @@
     </p:spTree>
     <p:extLst>
       <p:ext uri="{BB962C8B-B14F-4D97-AF65-F5344CB8AC3E}">
-        <p14:creationId xmlns:p14="http://schemas.microsoft.com/office/powerpoint/2010/main" val="2462699236"/>
+        <p14:creationId xmlns:p14="http://schemas.microsoft.com/office/powerpoint/2010/main" val="1041444695"/>
       </p:ext>
     </p:extLst>
   </p:cSld>
@@ -5475,8 +5889,8 @@
         </p:nvSpPr>
         <p:spPr>
           <a:xfrm>
-            <a:off x="300446" y="365126"/>
-            <a:ext cx="11891554" cy="618286"/>
+            <a:off x="838200" y="365126"/>
+            <a:ext cx="11205754" cy="618286"/>
           </a:xfrm>
         </p:spPr>
         <p:txBody>
@@ -5491,17 +5905,17 @@
             </a:r>
             <a:r>
               <a:rPr lang="en-US" dirty="0"/>
-              <a:t> Exercises: Loop invariant?  </a:t>
+              <a:t> Exercises</a:t>
             </a:r>
           </a:p>
         </p:txBody>
       </p:sp>
       <p:pic>
         <p:nvPicPr>
-          <p:cNvPr id="6" name="Picture 5" descr="Text&#10;&#10;Description automatically generated">
+          <p:cNvPr id="4" name="Picture 3" descr="Text&#10;&#10;Description automatically generated">
             <a:extLst>
               <a:ext uri="{FF2B5EF4-FFF2-40B4-BE49-F238E27FC236}">
-                <a16:creationId xmlns:a16="http://schemas.microsoft.com/office/drawing/2014/main" id="{A85D9B5B-B371-8149-9443-9F24890BA1FA}"/>
+                <a16:creationId xmlns:a16="http://schemas.microsoft.com/office/drawing/2014/main" id="{5991B5E1-8895-8443-ADDB-7D94396CCD8D}"/>
               </a:ext>
             </a:extLst>
           </p:cNvPr>
@@ -5518,8 +5932,8 @@
         </p:blipFill>
         <p:spPr>
           <a:xfrm>
-            <a:off x="3149600" y="1009650"/>
-            <a:ext cx="5892800" cy="4838700"/>
+            <a:off x="2971800" y="1238250"/>
+            <a:ext cx="6248400" cy="4381500"/>
           </a:xfrm>
           <a:prstGeom prst="rect">
             <a:avLst/>
@@ -5529,7 +5943,7 @@
     </p:spTree>
     <p:extLst>
       <p:ext uri="{BB962C8B-B14F-4D97-AF65-F5344CB8AC3E}">
-        <p14:creationId xmlns:p14="http://schemas.microsoft.com/office/powerpoint/2010/main" val="2579524560"/>
+        <p14:creationId xmlns:p14="http://schemas.microsoft.com/office/powerpoint/2010/main" val="102671484"/>
       </p:ext>
     </p:extLst>
   </p:cSld>
@@ -5590,17 +6004,17 @@
             </a:r>
             <a:r>
               <a:rPr lang="en-US" dirty="0"/>
-              <a:t> Exercises: Specification?  </a:t>
+              <a:t> Exercises: Ranking function (“decreases”)?</a:t>
             </a:r>
           </a:p>
         </p:txBody>
       </p:sp>
       <p:pic>
         <p:nvPicPr>
-          <p:cNvPr id="4" name="Picture 3" descr="Text&#10;&#10;Description automatically generated">
+          <p:cNvPr id="4" name="Picture 3" descr="Shape&#10;&#10;Description automatically generated with medium confidence">
             <a:extLst>
               <a:ext uri="{FF2B5EF4-FFF2-40B4-BE49-F238E27FC236}">
-                <a16:creationId xmlns:a16="http://schemas.microsoft.com/office/drawing/2014/main" id="{FB71C0E2-2DB2-4E47-A2CF-E8DB1780EEB3}"/>
+                <a16:creationId xmlns:a16="http://schemas.microsoft.com/office/drawing/2014/main" id="{4E81F467-8D27-2340-A848-817DB4697E94}"/>
               </a:ext>
             </a:extLst>
           </p:cNvPr>
@@ -5617,8 +6031,8 @@
         </p:blipFill>
         <p:spPr>
           <a:xfrm>
-            <a:off x="3117850" y="1223010"/>
-            <a:ext cx="5956300" cy="5143500"/>
+            <a:off x="3136900" y="1123950"/>
+            <a:ext cx="5918200" cy="4610100"/>
           </a:xfrm>
           <a:prstGeom prst="rect">
             <a:avLst/>
@@ -5628,7 +6042,7 @@
     </p:spTree>
     <p:extLst>
       <p:ext uri="{BB962C8B-B14F-4D97-AF65-F5344CB8AC3E}">
-        <p14:creationId xmlns:p14="http://schemas.microsoft.com/office/powerpoint/2010/main" val="1012896407"/>
+        <p14:creationId xmlns:p14="http://schemas.microsoft.com/office/powerpoint/2010/main" val="2462699236"/>
       </p:ext>
     </p:extLst>
   </p:cSld>
